--- a/OOP Project Proposal.pptx
+++ b/OOP Project Proposal.pptx
@@ -966,7 +966,7 @@
         </p:nvSpPr>
         <p:spPr>
           <a:xfrm>
-            <a:off x="381300" y="685800"/>
+            <a:off x="381000" y="685800"/>
             <a:ext cx="6096000" cy="3429000"/>
           </a:xfrm>
           <a:custGeom>
@@ -9989,7 +9989,7 @@
               <a:buNone/>
             </a:pPr>
             <a:r>
-              <a:rPr lang="en">
+              <a:rPr lang="en" dirty="0">
                 <a:latin typeface="Comic Sans MS"/>
                 <a:ea typeface="Comic Sans MS"/>
                 <a:cs typeface="Comic Sans MS"/>
@@ -9998,7 +9998,7 @@
               <a:t>                       </a:t>
             </a:r>
             <a:r>
-              <a:rPr lang="en" sz="3000">
+              <a:rPr lang="en" sz="3000" dirty="0">
                 <a:latin typeface="Comic Sans MS"/>
                 <a:ea typeface="Comic Sans MS"/>
                 <a:cs typeface="Comic Sans MS"/>
@@ -10006,7 +10006,7 @@
               </a:rPr>
               <a:t>PROJECT DESCRIPTION </a:t>
             </a:r>
-            <a:endParaRPr sz="3000">
+            <a:endParaRPr sz="3000" dirty="0">
               <a:latin typeface="Comic Sans MS"/>
               <a:ea typeface="Comic Sans MS"/>
               <a:cs typeface="Comic Sans MS"/>
@@ -10023,7 +10023,7 @@
               </a:spcAft>
               <a:buNone/>
             </a:pPr>
-            <a:endParaRPr/>
+            <a:endParaRPr dirty="0"/>
           </a:p>
           <a:p>
             <a:pPr marL="0" lvl="0" indent="0" algn="l" rtl="0">
@@ -10035,7 +10035,7 @@
               </a:spcAft>
               <a:buNone/>
             </a:pPr>
-            <a:endParaRPr sz="1300"/>
+            <a:endParaRPr sz="1300" dirty="0"/>
           </a:p>
           <a:p>
             <a:pPr marL="457200" lvl="0" indent="-344169" algn="l" rtl="0">
@@ -10052,10 +10052,10 @@
               <a:buChar char="❖"/>
             </a:pPr>
             <a:r>
-              <a:rPr lang="en" sz="2022"/>
+              <a:rPr lang="en" sz="2022" dirty="0"/>
               <a:t>Mainly three system users : - a) Admin b) Register User c) Guest User.</a:t>
             </a:r>
-            <a:endParaRPr sz="2022"/>
+            <a:endParaRPr sz="2022" dirty="0"/>
           </a:p>
           <a:p>
             <a:pPr marL="457200" lvl="0" indent="-344169" algn="l" rtl="0">
@@ -10072,10 +10072,10 @@
               <a:buChar char="❖"/>
             </a:pPr>
             <a:r>
-              <a:rPr lang="en" sz="2022"/>
+              <a:rPr lang="en" sz="2022" dirty="0"/>
               <a:t>Admin can add new vehicle brand details, managing vehicle details, managing booking details.</a:t>
             </a:r>
-            <a:endParaRPr sz="2022"/>
+            <a:endParaRPr sz="2022" dirty="0"/>
           </a:p>
           <a:p>
             <a:pPr marL="457200" lvl="0" indent="-344169" algn="l" rtl="0">
@@ -10092,10 +10092,10 @@
               <a:buChar char="❖"/>
             </a:pPr>
             <a:r>
-              <a:rPr lang="en" sz="2022"/>
+              <a:rPr lang="en" sz="2022" dirty="0"/>
               <a:t>Admin can confirm booking or cancel booking at any time.</a:t>
             </a:r>
-            <a:endParaRPr sz="2022"/>
+            <a:endParaRPr sz="2022" dirty="0"/>
           </a:p>
           <a:p>
             <a:pPr marL="457200" lvl="0" indent="-344169" algn="l" rtl="0">
@@ -10112,10 +10112,14 @@
               <a:buChar char="❖"/>
             </a:pPr>
             <a:r>
+              <a:rPr lang="en" sz="2022" dirty="0"/>
+              <a:t>Admin can check all registered users and also manages </a:t>
+            </a:r>
+            <a:r>
               <a:rPr lang="en" sz="2022"/>
-              <a:t>Admin can check all registered users and also manages subscribers.</a:t>
+              <a:t>subscribers. </a:t>
             </a:r>
-            <a:endParaRPr sz="2022"/>
+            <a:endParaRPr sz="2022" dirty="0"/>
           </a:p>
           <a:p>
             <a:pPr marL="457200" lvl="0" indent="-344169" algn="l" rtl="0">
@@ -10132,10 +10136,10 @@
               <a:buChar char="❖"/>
             </a:pPr>
             <a:r>
-              <a:rPr lang="en" sz="2022"/>
+              <a:rPr lang="en" sz="2022" dirty="0"/>
               <a:t>Admin Dashboard has count of all users, count of total bookings, count total queries.</a:t>
             </a:r>
-            <a:endParaRPr sz="2022"/>
+            <a:endParaRPr sz="2022" dirty="0"/>
           </a:p>
         </p:txBody>
       </p:sp>
